--- a/docs/Meetings/tbpt_sbits_2011_09_19.pptx
+++ b/docs/Meetings/tbpt_sbits_2011_09_19.pptx
@@ -12,10 +12,10 @@
     <p:sldId id="338" r:id="rId3"/>
     <p:sldId id="339" r:id="rId4"/>
     <p:sldId id="340" r:id="rId5"/>
-    <p:sldId id="341" r:id="rId6"/>
-    <p:sldId id="342" r:id="rId7"/>
-    <p:sldId id="343" r:id="rId8"/>
-    <p:sldId id="344" r:id="rId9"/>
+    <p:sldId id="342" r:id="rId6"/>
+    <p:sldId id="343" r:id="rId7"/>
+    <p:sldId id="344" r:id="rId8"/>
+    <p:sldId id="341" r:id="rId9"/>
   </p:sldIdLst>
   <p:sldSz cx="9144000" cy="6858000" type="screen4x3"/>
   <p:notesSz cx="6858000" cy="9144000"/>
@@ -251,7 +251,7 @@
             <a:pPr>
               <a:defRPr/>
             </a:pPr>
-            <a:fld id="{2577CBEE-1C6A-414B-B9EE-1319F8B781D0}" type="datetimeFigureOut">
+            <a:fld id="{EADC997A-00D6-4FA6-A019-D92AD5EA3A65}" type="datetimeFigureOut">
               <a:rPr lang="en-US"/>
               <a:pPr>
                 <a:defRPr/>
@@ -440,7 +440,7 @@
             <a:pPr>
               <a:defRPr/>
             </a:pPr>
-            <a:fld id="{DAD59308-B49D-4546-9845-2B73EB6E7088}" type="slidenum">
+            <a:fld id="{C6A1BDA9-8721-43D9-989B-9C2438AB0076}" type="slidenum">
               <a:rPr lang="en-US"/>
               <a:pPr>
                 <a:defRPr/>
@@ -682,7 +682,7 @@
               </a:spcAft>
               <a:defRPr/>
             </a:pPr>
-            <a:fld id="{9F68EB67-0519-4CC4-9ADA-71CB90A86FB6}" type="slidenum">
+            <a:fld id="{2ACDECDB-B2AE-4350-A047-C3D4046A7524}" type="slidenum">
               <a:rPr lang="en-US">
                 <a:cs typeface="Arial" charset="0"/>
               </a:rPr>
@@ -1605,7 +1605,7 @@
               </a:spcAft>
               <a:defRPr/>
             </a:pPr>
-            <a:fld id="{A79E73BE-880B-4098-A1BB-1083338D293C}" type="slidenum">
+            <a:fld id="{625CFE31-EEE4-4AA7-8B45-9C1CB79BE663}" type="slidenum">
               <a:rPr lang="en-US" sz="1000" b="1">
                 <a:latin typeface="+mn-lt"/>
                 <a:cs typeface="+mn-cs"/>
@@ -3077,15 +3077,15 @@
   <p:sldLayoutIdLst>
     <p:sldLayoutId id="2147483672" r:id="rId1"/>
     <p:sldLayoutId id="2147483673" r:id="rId2"/>
-    <p:sldLayoutId id="2147483671" r:id="rId3"/>
-    <p:sldLayoutId id="2147483670" r:id="rId4"/>
-    <p:sldLayoutId id="2147483669" r:id="rId5"/>
-    <p:sldLayoutId id="2147483668" r:id="rId6"/>
+    <p:sldLayoutId id="2147483663" r:id="rId3"/>
+    <p:sldLayoutId id="2147483664" r:id="rId4"/>
+    <p:sldLayoutId id="2147483665" r:id="rId5"/>
+    <p:sldLayoutId id="2147483666" r:id="rId6"/>
     <p:sldLayoutId id="2147483667" r:id="rId7"/>
-    <p:sldLayoutId id="2147483666" r:id="rId8"/>
-    <p:sldLayoutId id="2147483665" r:id="rId9"/>
-    <p:sldLayoutId id="2147483664" r:id="rId10"/>
-    <p:sldLayoutId id="2147483663" r:id="rId11"/>
+    <p:sldLayoutId id="2147483668" r:id="rId8"/>
+    <p:sldLayoutId id="2147483669" r:id="rId9"/>
+    <p:sldLayoutId id="2147483670" r:id="rId10"/>
+    <p:sldLayoutId id="2147483671" r:id="rId11"/>
   </p:sldLayoutIdLst>
   <p:txStyles>
     <p:titleStyle>
@@ -4002,7 +4002,7 @@
             <a:pPr eaLnBrk="1" hangingPunct="1"/>
             <a:r>
               <a:rPr lang="en-US" sz="4400" smtClean="0"/>
-              <a:t>Grid Grouper Integration</a:t>
+              <a:t>MAGE-TAB Export</a:t>
             </a:r>
           </a:p>
         </p:txBody>
@@ -4029,31 +4029,20 @@
           <a:p>
             <a:r>
               <a:rPr lang="en-US" sz="3200" smtClean="0"/>
-              <a:t>Grid users can use caTissue</a:t>
-            </a:r>
-          </a:p>
-          <a:p>
-            <a:pPr lvl="1"/>
+              <a:t>Search for specimens</a:t>
+            </a:r>
+          </a:p>
+          <a:p>
             <a:r>
               <a:rPr lang="en-US" sz="3200" smtClean="0"/>
-              <a:t>Automated provision of grid users in caTissue</a:t>
+              <a:t>Export chains in MAGE-TAB format</a:t>
             </a:r>
           </a:p>
           <a:p>
             <a:r>
               <a:rPr lang="en-US" sz="3200" smtClean="0"/>
-              <a:t>Grid group membership defines permissions</a:t>
-            </a:r>
-          </a:p>
-          <a:p>
-            <a:pPr lvl="1"/>
-            <a:r>
-              <a:rPr lang="en-US" sz="3200" smtClean="0"/>
-              <a:t>Configure permissions on Collection Protocol level</a:t>
-            </a:r>
-          </a:p>
-          <a:p>
-            <a:endParaRPr lang="en-US" sz="3200" smtClean="0"/>
+              <a:t>Load into caArray and others</a:t>
+            </a:r>
           </a:p>
         </p:txBody>
       </p:sp>
@@ -4099,9 +4088,13 @@
           <a:p>
             <a:pPr eaLnBrk="1" hangingPunct="1"/>
             <a:r>
-              <a:rPr lang="en-US" sz="4400" smtClean="0"/>
-              <a:t>MAGE-TAB Export</a:t>
-            </a:r>
+              <a:rPr lang="en-US" sz="4000" smtClean="0"/>
+              <a:t>Writeable Grid API</a:t>
+            </a:r>
+            <a:br>
+              <a:rPr lang="en-US" sz="4000" smtClean="0"/>
+            </a:br>
+            <a:endParaRPr lang="en-US" sz="4000" smtClean="0"/>
           </a:p>
         </p:txBody>
       </p:sp>
@@ -4127,20 +4120,11 @@
           <a:p>
             <a:r>
               <a:rPr lang="en-US" sz="3200" smtClean="0"/>
-              <a:t>Search for specimens</a:t>
-            </a:r>
-          </a:p>
-          <a:p>
-            <a:r>
-              <a:rPr lang="en-US" sz="3200" smtClean="0"/>
-              <a:t>Export chains in MAGE-TAB format</a:t>
-            </a:r>
-          </a:p>
-          <a:p>
-            <a:r>
-              <a:rPr lang="en-US" sz="3200" smtClean="0"/>
-              <a:t>Load into caArray and others</a:t>
-            </a:r>
+              <a:t>Query and change data in a caTissue instance using a caGrid API</a:t>
+            </a:r>
+          </a:p>
+          <a:p>
+            <a:endParaRPr lang="en-US" sz="3200" smtClean="0"/>
           </a:p>
         </p:txBody>
       </p:sp>
@@ -4186,13 +4170,9 @@
           <a:p>
             <a:pPr eaLnBrk="1" hangingPunct="1"/>
             <a:r>
-              <a:rPr lang="en-US" sz="4000" smtClean="0"/>
-              <a:t>Writeable Grid API</a:t>
-            </a:r>
-            <a:br>
-              <a:rPr lang="en-US" sz="4000" smtClean="0"/>
-            </a:br>
-            <a:endParaRPr lang="en-US" sz="4000" smtClean="0"/>
+              <a:rPr lang="en-US" smtClean="0"/>
+              <a:t>SVN Re-Org &amp; Build Enhancements</a:t>
+            </a:r>
           </a:p>
         </p:txBody>
       </p:sp>
@@ -4218,11 +4198,32 @@
           <a:p>
             <a:r>
               <a:rPr lang="en-US" sz="3200" smtClean="0"/>
-              <a:t>Query and change data in a caTissue instance using a caGrid API</a:t>
-            </a:r>
-          </a:p>
-          <a:p>
-            <a:endParaRPr lang="en-US" sz="3200" smtClean="0"/>
+              <a:t>Move development to trunk</a:t>
+            </a:r>
+          </a:p>
+          <a:p>
+            <a:r>
+              <a:rPr lang="en-US" sz="3200" smtClean="0"/>
+              <a:t>Consistent directory structure</a:t>
+            </a:r>
+          </a:p>
+          <a:p>
+            <a:r>
+              <a:rPr lang="en-US" sz="3200" smtClean="0"/>
+              <a:t>Reduce the number of external modules</a:t>
+            </a:r>
+          </a:p>
+          <a:p>
+            <a:r>
+              <a:rPr lang="en-US" sz="3200" smtClean="0"/>
+              <a:t>Consistent build process across</a:t>
+            </a:r>
+          </a:p>
+          <a:p>
+            <a:r>
+              <a:rPr lang="en-US" sz="3200" smtClean="0"/>
+              <a:t>Reduce build time</a:t>
+            </a:r>
           </a:p>
         </p:txBody>
       </p:sp>
@@ -4268,8 +4269,8 @@
           <a:p>
             <a:pPr eaLnBrk="1" hangingPunct="1"/>
             <a:r>
-              <a:rPr lang="en-US" smtClean="0"/>
-              <a:t>SVN Re-Org &amp; Build Enhancements</a:t>
+              <a:rPr lang="en-US" sz="4400" smtClean="0"/>
+              <a:t>Grid Grouper Integration</a:t>
             </a:r>
           </a:p>
         </p:txBody>
@@ -4295,33 +4296,94 @@
           <a:lstStyle/>
           <a:p>
             <a:r>
-              <a:rPr lang="en-US" sz="3200" smtClean="0"/>
-              <a:t>Move development to trunk</a:t>
-            </a:r>
-          </a:p>
-          <a:p>
-            <a:r>
-              <a:rPr lang="en-US" sz="3200" smtClean="0"/>
-              <a:t>Consistent directory structure</a:t>
-            </a:r>
-          </a:p>
-          <a:p>
-            <a:r>
-              <a:rPr lang="en-US" sz="3200" smtClean="0"/>
-              <a:t>Reduce the number of external modules</a:t>
-            </a:r>
-          </a:p>
-          <a:p>
-            <a:r>
-              <a:rPr lang="en-US" sz="3200" smtClean="0"/>
-              <a:t>Consistent build process across</a:t>
-            </a:r>
-          </a:p>
-          <a:p>
-            <a:r>
-              <a:rPr lang="en-US" sz="3200" smtClean="0"/>
-              <a:t>Reduce build time</a:t>
-            </a:r>
+              <a:rPr lang="en-US" smtClean="0"/>
+              <a:t>Users that have grid accounts should be able to use caTissue</a:t>
+            </a:r>
+          </a:p>
+          <a:p>
+            <a:pPr lvl="1"/>
+            <a:r>
+              <a:rPr lang="en-US" smtClean="0"/>
+              <a:t>Do not require users to create separate local accounts in caTissue</a:t>
+            </a:r>
+          </a:p>
+          <a:p>
+            <a:pPr lvl="1"/>
+            <a:r>
+              <a:rPr lang="en-US" smtClean="0"/>
+              <a:t>Single username/password pair and single Identity Provider</a:t>
+            </a:r>
+          </a:p>
+          <a:p>
+            <a:r>
+              <a:rPr lang="en-US" smtClean="0"/>
+              <a:t>User’s role within his/her organization should be used to determine his/her privileges in caTissue</a:t>
+            </a:r>
+          </a:p>
+          <a:p>
+            <a:pPr lvl="1"/>
+            <a:r>
+              <a:rPr lang="en-US" smtClean="0"/>
+              <a:t>User’s organizational role is defined by group membership in Grid Grouper</a:t>
+            </a:r>
+          </a:p>
+          <a:p>
+            <a:pPr lvl="2"/>
+            <a:r>
+              <a:rPr lang="en-US" smtClean="0"/>
+              <a:t>..and can be managed through, e.g., GAARDS.</a:t>
+            </a:r>
+          </a:p>
+          <a:p>
+            <a:pPr lvl="1"/>
+            <a:r>
+              <a:rPr lang="en-US" smtClean="0"/>
+              <a:t>Specify privileges that the group has within caTissue</a:t>
+            </a:r>
+          </a:p>
+          <a:p>
+            <a:pPr lvl="2"/>
+            <a:r>
+              <a:rPr lang="en-US" smtClean="0"/>
+              <a:t>Assign privileges on Collection Protocol level</a:t>
+            </a:r>
+          </a:p>
+          <a:p>
+            <a:r>
+              <a:rPr lang="en-US" smtClean="0"/>
+              <a:t>Simple centralized user and role management</a:t>
+            </a:r>
+          </a:p>
+          <a:p>
+            <a:pPr lvl="1"/>
+            <a:r>
+              <a:rPr lang="en-US" smtClean="0"/>
+              <a:t>Change user’s group membership to expand or reduce his/her privileges</a:t>
+            </a:r>
+          </a:p>
+          <a:p>
+            <a:pPr lvl="1"/>
+            <a:r>
+              <a:rPr lang="en-US" smtClean="0"/>
+              <a:t>Add new grid users to groups</a:t>
+            </a:r>
+          </a:p>
+          <a:p>
+            <a:pPr lvl="1"/>
+            <a:r>
+              <a:rPr lang="en-US" smtClean="0"/>
+              <a:t>See the changes reflected in caTissue instance(s) automatically</a:t>
+            </a:r>
+          </a:p>
+          <a:p>
+            <a:pPr lvl="2"/>
+            <a:r>
+              <a:rPr lang="en-US" smtClean="0"/>
+              <a:t>No duplication of effort</a:t>
+            </a:r>
+          </a:p>
+          <a:p>
+            <a:endParaRPr lang="en-US" smtClean="0"/>
           </a:p>
         </p:txBody>
       </p:sp>
